--- a/lesson7/class-encapsulation.pptx
+++ b/lesson7/class-encapsulation.pptx
@@ -298,7 +298,7 @@
             <a:fld id="{530820CF-B880-4189-942D-D702A7CBA730}" type="datetimeFigureOut">
               <a:rPr lang="zh-CN" altLang="en-US" smtClean="0"/>
               <a:pPr/>
-              <a:t>2015/4/14</a:t>
+              <a:t>2015/4/16</a:t>
             </a:fld>
             <a:endParaRPr lang="zh-CN" altLang="en-US"/>
           </a:p>
@@ -465,7 +465,7 @@
             <a:fld id="{530820CF-B880-4189-942D-D702A7CBA730}" type="datetimeFigureOut">
               <a:rPr lang="zh-CN" altLang="en-US" smtClean="0"/>
               <a:pPr/>
-              <a:t>2015/4/14</a:t>
+              <a:t>2015/4/16</a:t>
             </a:fld>
             <a:endParaRPr lang="zh-CN" altLang="en-US"/>
           </a:p>
@@ -642,7 +642,7 @@
             <a:fld id="{530820CF-B880-4189-942D-D702A7CBA730}" type="datetimeFigureOut">
               <a:rPr lang="zh-CN" altLang="en-US" smtClean="0"/>
               <a:pPr/>
-              <a:t>2015/4/14</a:t>
+              <a:t>2015/4/16</a:t>
             </a:fld>
             <a:endParaRPr lang="zh-CN" altLang="en-US"/>
           </a:p>
@@ -809,7 +809,7 @@
             <a:fld id="{530820CF-B880-4189-942D-D702A7CBA730}" type="datetimeFigureOut">
               <a:rPr lang="zh-CN" altLang="en-US" smtClean="0"/>
               <a:pPr/>
-              <a:t>2015/4/14</a:t>
+              <a:t>2015/4/16</a:t>
             </a:fld>
             <a:endParaRPr lang="zh-CN" altLang="en-US"/>
           </a:p>
@@ -1052,7 +1052,7 @@
             <a:fld id="{530820CF-B880-4189-942D-D702A7CBA730}" type="datetimeFigureOut">
               <a:rPr lang="zh-CN" altLang="en-US" smtClean="0"/>
               <a:pPr/>
-              <a:t>2015/4/14</a:t>
+              <a:t>2015/4/16</a:t>
             </a:fld>
             <a:endParaRPr lang="zh-CN" altLang="en-US"/>
           </a:p>
@@ -1337,7 +1337,7 @@
             <a:fld id="{530820CF-B880-4189-942D-D702A7CBA730}" type="datetimeFigureOut">
               <a:rPr lang="zh-CN" altLang="en-US" smtClean="0"/>
               <a:pPr/>
-              <a:t>2015/4/14</a:t>
+              <a:t>2015/4/16</a:t>
             </a:fld>
             <a:endParaRPr lang="zh-CN" altLang="en-US"/>
           </a:p>
@@ -1756,7 +1756,7 @@
             <a:fld id="{530820CF-B880-4189-942D-D702A7CBA730}" type="datetimeFigureOut">
               <a:rPr lang="zh-CN" altLang="en-US" smtClean="0"/>
               <a:pPr/>
-              <a:t>2015/4/14</a:t>
+              <a:t>2015/4/16</a:t>
             </a:fld>
             <a:endParaRPr lang="zh-CN" altLang="en-US"/>
           </a:p>
@@ -1871,7 +1871,7 @@
             <a:fld id="{530820CF-B880-4189-942D-D702A7CBA730}" type="datetimeFigureOut">
               <a:rPr lang="zh-CN" altLang="en-US" smtClean="0"/>
               <a:pPr/>
-              <a:t>2015/4/14</a:t>
+              <a:t>2015/4/16</a:t>
             </a:fld>
             <a:endParaRPr lang="zh-CN" altLang="en-US"/>
           </a:p>
@@ -1963,7 +1963,7 @@
             <a:fld id="{530820CF-B880-4189-942D-D702A7CBA730}" type="datetimeFigureOut">
               <a:rPr lang="zh-CN" altLang="en-US" smtClean="0"/>
               <a:pPr/>
-              <a:t>2015/4/14</a:t>
+              <a:t>2015/4/16</a:t>
             </a:fld>
             <a:endParaRPr lang="zh-CN" altLang="en-US"/>
           </a:p>
@@ -2237,7 +2237,7 @@
             <a:fld id="{530820CF-B880-4189-942D-D702A7CBA730}" type="datetimeFigureOut">
               <a:rPr lang="zh-CN" altLang="en-US" smtClean="0"/>
               <a:pPr/>
-              <a:t>2015/4/14</a:t>
+              <a:t>2015/4/16</a:t>
             </a:fld>
             <a:endParaRPr lang="zh-CN" altLang="en-US"/>
           </a:p>
@@ -2487,7 +2487,7 @@
             <a:fld id="{530820CF-B880-4189-942D-D702A7CBA730}" type="datetimeFigureOut">
               <a:rPr lang="zh-CN" altLang="en-US" smtClean="0"/>
               <a:pPr/>
-              <a:t>2015/4/14</a:t>
+              <a:t>2015/4/16</a:t>
             </a:fld>
             <a:endParaRPr lang="zh-CN" altLang="en-US"/>
           </a:p>
@@ -2697,7 +2697,7 @@
             <a:fld id="{530820CF-B880-4189-942D-D702A7CBA730}" type="datetimeFigureOut">
               <a:rPr lang="zh-CN" altLang="en-US" smtClean="0"/>
               <a:pPr/>
-              <a:t>2015/4/14</a:t>
+              <a:t>2015/4/16</a:t>
             </a:fld>
             <a:endParaRPr lang="zh-CN" altLang="en-US"/>
           </a:p>
@@ -3256,22 +3256,14 @@
             </a:r>
             <a:r>
               <a:rPr lang="zh-CN" altLang="en-US" dirty="0" smtClean="0"/>
-              <a:t>）是面向对象方法的重要原则，就是把对象的属性和操作（或服务）结合为一个独立的整体，并尽可能隐藏对象的内部实现细节</a:t>
-            </a:r>
-            <a:r>
-              <a:rPr lang="zh-CN" altLang="en-US" dirty="0" smtClean="0"/>
-              <a:t>。</a:t>
+              <a:t>）是面向对象方法的重要原则，就是把对象的属性和操作（或服务）结合为一个独立的整体，并尽可能隐藏对象的内部实现细节。</a:t>
             </a:r>
             <a:endParaRPr lang="en-US" altLang="zh-CN" dirty="0" smtClean="0"/>
           </a:p>
           <a:p>
             <a:r>
               <a:rPr lang="zh-CN" altLang="en-US" dirty="0" smtClean="0"/>
-              <a:t>例</a:t>
-            </a:r>
-            <a:r>
-              <a:rPr lang="zh-CN" altLang="en-US" dirty="0" smtClean="0"/>
-              <a:t>如</a:t>
+              <a:t>例如</a:t>
             </a:r>
             <a:r>
               <a:rPr lang="en-US" altLang="zh-CN" dirty="0" smtClean="0"/>
@@ -3302,11 +3294,7 @@
           <a:p>
             <a:r>
               <a:rPr lang="zh-CN" altLang="en-US" dirty="0" smtClean="0"/>
-              <a:t>又</a:t>
-            </a:r>
-            <a:r>
-              <a:rPr lang="zh-CN" altLang="en-US" dirty="0" smtClean="0"/>
-              <a:t>如，我们的</a:t>
+              <a:t>又如，我们的</a:t>
             </a:r>
             <a:r>
               <a:rPr lang="en-US" altLang="zh-CN" dirty="0" err="1" smtClean="0"/>
@@ -3409,11 +3397,7 @@
           <a:p>
             <a:r>
               <a:rPr lang="zh-CN" altLang="en-US" dirty="0" smtClean="0"/>
-              <a:t>提</a:t>
-            </a:r>
-            <a:r>
-              <a:rPr lang="zh-CN" altLang="en-US" dirty="0" smtClean="0"/>
-              <a:t>供的接口：</a:t>
+              <a:t>提供的接口：</a:t>
             </a:r>
             <a:endParaRPr lang="en-US" altLang="zh-CN" dirty="0" smtClean="0"/>
           </a:p>
@@ -3465,11 +3449,7 @@
           <a:p>
             <a:r>
               <a:rPr lang="zh-CN" altLang="en-US" dirty="0" smtClean="0"/>
-              <a:t>那</a:t>
-            </a:r>
-            <a:r>
-              <a:rPr lang="zh-CN" altLang="en-US" dirty="0" smtClean="0"/>
-              <a:t>么我们在任何时候，就可以</a:t>
+              <a:t>那么我们在任何时候，就可以</a:t>
             </a:r>
             <a:endParaRPr lang="en-US" altLang="zh-CN" dirty="0" smtClean="0"/>
           </a:p>
@@ -3777,19 +3757,7 @@
             </a:r>
             <a:r>
               <a:rPr lang="zh-CN" altLang="en-US" dirty="0" smtClean="0"/>
-              <a:t>的</a:t>
-            </a:r>
-            <a:r>
-              <a:rPr lang="zh-CN" altLang="en-US" dirty="0" smtClean="0"/>
-              <a:t>类，</a:t>
-            </a:r>
-            <a:r>
-              <a:rPr lang="zh-CN" altLang="en-US" dirty="0" smtClean="0"/>
-              <a:t>包内及包外的任何类均可以访问</a:t>
-            </a:r>
-            <a:r>
-              <a:rPr lang="zh-CN" altLang="en-US" dirty="0" smtClean="0"/>
-              <a:t>；</a:t>
+              <a:t>的类，包内及包外的任何类均可以访问；</a:t>
             </a:r>
             <a:endParaRPr lang="en-US" altLang="zh-CN" dirty="0" smtClean="0"/>
           </a:p>
@@ -3800,19 +3768,7 @@
             </a:r>
             <a:r>
               <a:rPr lang="zh-CN" altLang="en-US" dirty="0" smtClean="0"/>
-              <a:t>的</a:t>
-            </a:r>
-            <a:r>
-              <a:rPr lang="zh-CN" altLang="en-US" dirty="0" smtClean="0"/>
-              <a:t>类，</a:t>
-            </a:r>
-            <a:r>
-              <a:rPr lang="zh-CN" altLang="en-US" dirty="0" smtClean="0"/>
-              <a:t>包内的任何类，及包外的那些继承了此类的子类才能访问</a:t>
-            </a:r>
-            <a:r>
-              <a:rPr lang="zh-CN" altLang="en-US" dirty="0" smtClean="0"/>
-              <a:t>；</a:t>
+              <a:t>的类，包内的任何类，及包外的那些继承了此类的子类才能访问；</a:t>
             </a:r>
             <a:endParaRPr lang="en-US" altLang="zh-CN" dirty="0" smtClean="0"/>
           </a:p>
@@ -3823,38 +3779,14 @@
             </a:r>
             <a:r>
               <a:rPr lang="zh-CN" altLang="en-US" dirty="0" smtClean="0"/>
-              <a:t>的</a:t>
-            </a:r>
-            <a:r>
-              <a:rPr lang="zh-CN" altLang="en-US" dirty="0" smtClean="0"/>
-              <a:t>类，</a:t>
-            </a:r>
-            <a:r>
-              <a:rPr lang="zh-CN" altLang="en-US" dirty="0" smtClean="0"/>
-              <a:t>包内包外的任何类均不能访问</a:t>
-            </a:r>
-            <a:r>
-              <a:rPr lang="zh-CN" altLang="en-US" dirty="0" smtClean="0"/>
-              <a:t>；</a:t>
+              <a:t>的类，包内包外的任何类均不能访问；</a:t>
             </a:r>
             <a:endParaRPr lang="en-US" altLang="zh-CN" dirty="0" smtClean="0"/>
           </a:p>
           <a:p>
             <a:r>
               <a:rPr lang="zh-CN" altLang="en-US" dirty="0" smtClean="0"/>
-              <a:t>如</a:t>
-            </a:r>
-            <a:r>
-              <a:rPr lang="zh-CN" altLang="en-US" dirty="0" smtClean="0"/>
-              <a:t>果一个</a:t>
-            </a:r>
-            <a:r>
-              <a:rPr lang="zh-CN" altLang="en-US" dirty="0" smtClean="0"/>
-              <a:t>类不</a:t>
-            </a:r>
-            <a:r>
-              <a:rPr lang="zh-CN" altLang="en-US" dirty="0" smtClean="0"/>
-              <a:t>以这三种修饰符来修饰，它就是</a:t>
+              <a:t>如果一个类不以这三种修饰符来修饰，它就是</a:t>
             </a:r>
             <a:r>
               <a:rPr lang="en-US" altLang="zh-CN" dirty="0" smtClean="0"/>
@@ -4062,11 +3994,7 @@
           <a:p>
             <a:r>
               <a:rPr lang="zh-CN" altLang="en-US" dirty="0" smtClean="0"/>
-              <a:t>具</a:t>
-            </a:r>
-            <a:r>
-              <a:rPr lang="zh-CN" altLang="en-US" dirty="0" smtClean="0"/>
-              <a:t>体的实现，或者内部变量、方法保证是</a:t>
+              <a:t>具体的实现，或者内部变量、方法保证是</a:t>
             </a:r>
             <a:r>
               <a:rPr lang="en-US" altLang="zh-CN" dirty="0" smtClean="0"/>
@@ -4076,11 +4004,7 @@
           <a:p>
             <a:r>
               <a:rPr lang="zh-CN" altLang="en-US" dirty="0" smtClean="0"/>
-              <a:t>最</a:t>
-            </a:r>
-            <a:r>
-              <a:rPr lang="zh-CN" altLang="en-US" dirty="0" smtClean="0"/>
-              <a:t>小权限原则</a:t>
+              <a:t>最小权限原则</a:t>
             </a:r>
             <a:endParaRPr lang="zh-CN" altLang="en-US" dirty="0"/>
           </a:p>
@@ -4164,11 +4088,7 @@
           <a:p>
             <a:r>
               <a:rPr lang="zh-CN" altLang="en-US" dirty="0" smtClean="0"/>
-              <a:t>方</a:t>
-            </a:r>
-            <a:r>
-              <a:rPr lang="zh-CN" altLang="en-US" dirty="0" smtClean="0"/>
-              <a:t>法：</a:t>
+              <a:t>方法：</a:t>
             </a:r>
             <a:endParaRPr lang="en-US" altLang="zh-CN" dirty="0" smtClean="0"/>
           </a:p>
@@ -4216,11 +4136,7 @@
             </a:r>
             <a:r>
               <a:rPr lang="zh-CN" altLang="en-US" dirty="0" smtClean="0"/>
-              <a:t>字</a:t>
-            </a:r>
-            <a:r>
-              <a:rPr lang="zh-CN" altLang="en-US" dirty="0" smtClean="0"/>
-              <a:t>符</a:t>
+              <a:t>字符</a:t>
             </a:r>
             <a:r>
               <a:rPr lang="en-US" altLang="zh-CN" dirty="0" smtClean="0"/>
@@ -4276,15 +4192,7 @@
             </a:r>
             <a:r>
               <a:rPr lang="zh-CN" altLang="en-US" dirty="0" smtClean="0"/>
-              <a:t>中出现</a:t>
-            </a:r>
-            <a:r>
-              <a:rPr lang="zh-CN" altLang="en-US" dirty="0" smtClean="0"/>
-              <a:t>次</a:t>
-            </a:r>
-            <a:r>
-              <a:rPr lang="zh-CN" altLang="en-US" dirty="0" smtClean="0"/>
-              <a:t>数最多且长度为</a:t>
+              <a:t>中出现次数最多且长度为</a:t>
             </a:r>
             <a:r>
               <a:rPr lang="en-US" altLang="zh-CN" dirty="0" err="1" smtClean="0"/>
@@ -4292,26 +4200,38 @@
             </a:r>
             <a:r>
               <a:rPr lang="zh-CN" altLang="en-US" dirty="0" smtClean="0"/>
-              <a:t>的</a:t>
-            </a:r>
-            <a:r>
-              <a:rPr lang="zh-CN" altLang="en-US" dirty="0" smtClean="0"/>
-              <a:t>最</a:t>
-            </a:r>
-            <a:r>
-              <a:rPr lang="zh-CN" altLang="en-US" dirty="0" smtClean="0"/>
-              <a:t>小（安装字母顺序）子字符串，没有时返回空字符串</a:t>
+              <a:t>的最小</a:t>
+            </a:r>
+            <a:r>
+              <a:rPr lang="zh-CN" altLang="en-US" dirty="0" smtClean="0"/>
+              <a:t>（</a:t>
+            </a:r>
+            <a:r>
+              <a:rPr lang="zh-CN" altLang="en-US" dirty="0" smtClean="0"/>
+              <a:t>按照</a:t>
+            </a:r>
+            <a:r>
+              <a:rPr lang="zh-CN" altLang="en-US" dirty="0" smtClean="0"/>
+              <a:t>字</a:t>
+            </a:r>
+            <a:r>
+              <a:rPr lang="zh-CN" altLang="en-US" dirty="0" smtClean="0"/>
+              <a:t>母顺序）子字符</a:t>
+            </a:r>
+            <a:r>
+              <a:rPr lang="zh-CN" altLang="en-US" dirty="0" smtClean="0"/>
+              <a:t>串（要求子字符串每个元素相同），</a:t>
+            </a:r>
+            <a:r>
+              <a:rPr lang="zh-CN" altLang="en-US" dirty="0" smtClean="0"/>
+              <a:t>没有时返回空字符串</a:t>
             </a:r>
             <a:endParaRPr lang="en-US" altLang="zh-CN" dirty="0" smtClean="0"/>
           </a:p>
           <a:p>
             <a:r>
               <a:rPr lang="zh-CN" altLang="en-US" dirty="0" smtClean="0"/>
-              <a:t>测</a:t>
-            </a:r>
-            <a:r>
-              <a:rPr lang="zh-CN" altLang="en-US" dirty="0" smtClean="0"/>
-              <a:t>试</a:t>
+              <a:t>测试</a:t>
             </a:r>
             <a:endParaRPr lang="en-US" altLang="zh-CN" dirty="0" smtClean="0"/>
           </a:p>
@@ -4350,8 +4270,13 @@
             </a:r>
             <a:r>
               <a:rPr lang="en-US" altLang="zh-CN" dirty="0" smtClean="0"/>
-              <a:t>(“a”) // 2</a:t>
-            </a:r>
+              <a:t>(“a”) // </a:t>
+            </a:r>
+            <a:r>
+              <a:rPr lang="en-US" altLang="zh-CN" dirty="0" smtClean="0"/>
+              <a:t>2</a:t>
+            </a:r>
+            <a:endParaRPr lang="en-US" altLang="zh-CN" dirty="0" smtClean="0"/>
           </a:p>
           <a:p>
             <a:pPr lvl="1"/>
